--- a/Documents/Poster Template Ariel Projects 2022 (1).pptx
+++ b/Documents/Poster Template Ariel Projects 2022 (1).pptx
@@ -3129,7 +3129,7 @@
         </p:nvSpPr>
         <p:spPr>
           <a:xfrm>
-            <a:off x="77696" y="3081456"/>
+            <a:off x="78355" y="3082133"/>
             <a:ext cx="6692903" cy="1474708"/>
           </a:xfrm>
           <a:prstGeom prst="roundRect">
@@ -3173,7 +3173,23 @@
                 <a:ea typeface="Tahoma" pitchFamily="34" charset="0"/>
                 <a:cs typeface="Arial" pitchFamily="34" charset="0"/>
               </a:rPr>
-              <a:t>2. Introduction :</a:t>
+              <a:t>2. Introduction : The world is progressing towards autonomous vehicles with autonomous control, one of the main systems required for the field is a reliable system that can scan its environment and give an accurate indication of when an accident danger occurs and prevent it by braking / acceleration.</a:t>
+            </a:r>
+          </a:p>
+          <a:p>
+            <a:pPr>
+              <a:defRPr/>
+            </a:pPr>
+            <a:r>
+              <a:rPr lang="en-US" sz="1200" dirty="0">
+                <a:solidFill>
+                  <a:prstClr val="black"/>
+                </a:solidFill>
+                <a:latin typeface="Arial" pitchFamily="34" charset="0"/>
+                <a:ea typeface="Tahoma" pitchFamily="34" charset="0"/>
+                <a:cs typeface="Arial" pitchFamily="34" charset="0"/>
+              </a:rPr>
+              <a:t>For this to happen - the system needs to be sensitive and accurate and know how to scan the environment in real time and act accordingly - which is why we developed the tool we chose.</a:t>
             </a:r>
             <a:endParaRPr lang="he-IL" sz="1200" dirty="0">
               <a:solidFill>
@@ -3194,7 +3210,7 @@
         </p:nvSpPr>
         <p:spPr>
           <a:xfrm>
-            <a:off x="129995" y="4918236"/>
+            <a:off x="129995" y="4918193"/>
             <a:ext cx="6691404" cy="1283750"/>
           </a:xfrm>
           <a:prstGeom prst="roundRect">
@@ -3241,25 +3257,16 @@
             </a:r>
             <a:r>
               <a:rPr lang="en-US" sz="1200" dirty="0"/>
-              <a:t>Methods/algorithms/Alternatives or Design Considerations :</a:t>
-            </a:r>
-            <a:br>
+              <a:t>Methods/algorithms/Alternatives or Design Considerations : The main algorithm used in the system is the SLAM algorithm - which knows according to mathematical calculations to map spaces in three dimensions and within a few scans to reach very high accuracy.</a:t>
+            </a:r>
+          </a:p>
+          <a:p>
+            <a:pPr>
+              <a:defRPr/>
+            </a:pPr>
+            <a:r>
               <a:rPr lang="en-US" sz="1200" dirty="0"/>
-            </a:br>
-            <a:br>
-              <a:rPr lang="en-US" sz="1200" b="1" dirty="0">
-                <a:latin typeface="Arial" pitchFamily="34" charset="0"/>
-                <a:ea typeface="Tahoma" pitchFamily="34" charset="0"/>
-                <a:cs typeface="Arial" pitchFamily="34" charset="0"/>
-              </a:rPr>
-            </a:br>
-            <a:r>
-              <a:rPr lang="he-IL" sz="1200" b="1" dirty="0">
-                <a:latin typeface="Arial" pitchFamily="34" charset="0"/>
-                <a:ea typeface="Tahoma" pitchFamily="34" charset="0"/>
-                <a:cs typeface="Arial" pitchFamily="34" charset="0"/>
-              </a:rPr>
-              <a:t> </a:t>
+              <a:t>For the rest of the methods and technology a broader detail is seen in the project itself.</a:t>
             </a:r>
             <a:endParaRPr lang="en-US" sz="1200" b="1" dirty="0">
               <a:latin typeface="Arial" pitchFamily="34" charset="0"/>
@@ -3323,6 +3330,44 @@
               </a:rPr>
               <a:t>4. Selected Approach :</a:t>
             </a:r>
+            <a:r>
+              <a:rPr lang="he-IL" sz="1200" dirty="0">
+                <a:solidFill>
+                  <a:prstClr val="black"/>
+                </a:solidFill>
+                <a:latin typeface="Arial" pitchFamily="34" charset="0"/>
+                <a:ea typeface="Tahoma" pitchFamily="34" charset="0"/>
+                <a:cs typeface="Arial" pitchFamily="34" charset="0"/>
+              </a:rPr>
+              <a:t> </a:t>
+            </a:r>
+            <a:r>
+              <a:rPr lang="en-US" sz="1200" dirty="0">
+                <a:solidFill>
+                  <a:prstClr val="black"/>
+                </a:solidFill>
+                <a:latin typeface="Arial" pitchFamily="34" charset="0"/>
+                <a:ea typeface="Tahoma" pitchFamily="34" charset="0"/>
+                <a:cs typeface="Arial" pitchFamily="34" charset="0"/>
+              </a:rPr>
+              <a:t>Using an intel real sense camera, we photographed selected spaces to produce suitable bag files for use by the designed tool.</a:t>
+            </a:r>
+          </a:p>
+          <a:p>
+            <a:pPr algn="l">
+              <a:defRPr/>
+            </a:pPr>
+            <a:r>
+              <a:rPr lang="en-US" sz="1200" dirty="0">
+                <a:solidFill>
+                  <a:prstClr val="black"/>
+                </a:solidFill>
+                <a:latin typeface="Arial" pitchFamily="34" charset="0"/>
+                <a:ea typeface="Tahoma" pitchFamily="34" charset="0"/>
+                <a:cs typeface="Arial" pitchFamily="34" charset="0"/>
+              </a:rPr>
+              <a:t>The tool uses the SLAM algorithm to map the space and thus a three-dimensional space is obtained that the vehicle knows how to move according to the resulting scan.</a:t>
+            </a:r>
             <a:endParaRPr lang="he-IL" sz="1200" dirty="0">
               <a:solidFill>
                 <a:prstClr val="black"/>
@@ -3481,13 +3526,8 @@
             </a:pPr>
             <a:r>
               <a:rPr lang="en-US" sz="1200" dirty="0"/>
-              <a:t>Contribution/project goal: The project is designed to give a develop a solution for navigation in autonomous vehicles (in a simulator or a real car), with an emphasis on the reliability of the autonomous software.   </a:t>
-            </a:r>
-          </a:p>
-          <a:p>
-            <a:pPr>
-              <a:defRPr/>
-            </a:pPr>
+              <a:t>Contribution/project goal: The project is designed to develop a solution for navigation in autonomous vehicles (in a simulator or a real car), with an emphasis on the reliability of the autonomous software. </a:t>
+            </a:r>
             <a:endParaRPr lang="he-IL" sz="1200" dirty="0">
               <a:solidFill>
                 <a:prstClr val="black"/>
@@ -3986,6 +4026,36 @@
           <a:xfrm>
             <a:off x="3449095" y="8892652"/>
             <a:ext cx="1173705" cy="291001"/>
+          </a:xfrm>
+          <a:prstGeom prst="rect">
+            <a:avLst/>
+          </a:prstGeom>
+        </p:spPr>
+      </p:pic>
+      <p:pic>
+        <p:nvPicPr>
+          <p:cNvPr id="7" name="Picture 6">
+            <a:extLst>
+              <a:ext uri="{FF2B5EF4-FFF2-40B4-BE49-F238E27FC236}">
+                <a16:creationId xmlns:a16="http://schemas.microsoft.com/office/drawing/2014/main" id="{AC92BF85-14AF-23D2-0771-84B5D63ACFD6}"/>
+              </a:ext>
+            </a:extLst>
+          </p:cNvPr>
+          <p:cNvPicPr>
+            <a:picLocks noChangeAspect="1"/>
+          </p:cNvPicPr>
+          <p:nvPr/>
+        </p:nvPicPr>
+        <p:blipFill>
+          <a:blip r:embed="rId10"/>
+          <a:stretch>
+            <a:fillRect/>
+          </a:stretch>
+        </p:blipFill>
+        <p:spPr>
+          <a:xfrm>
+            <a:off x="3492486" y="9231271"/>
+            <a:ext cx="596074" cy="521565"/>
           </a:xfrm>
           <a:prstGeom prst="rect">
             <a:avLst/>

--- a/Documents/Poster Template Ariel Projects 2022 (1).pptx
+++ b/Documents/Poster Template Ariel Projects 2022 (1).pptx
@@ -243,7 +243,7 @@
           <a:p>
             <a:fld id="{73EE89F4-C31D-45E3-BFAA-D8E8790DFB86}" type="datetimeFigureOut">
               <a:rPr lang="en-US" smtClean="0"/>
-              <a:t>5/22/2022</a:t>
+              <a:t>5/26/2022</a:t>
             </a:fld>
             <a:endParaRPr lang="en-US"/>
           </a:p>
@@ -413,7 +413,7 @@
           <a:p>
             <a:fld id="{73EE89F4-C31D-45E3-BFAA-D8E8790DFB86}" type="datetimeFigureOut">
               <a:rPr lang="en-US" smtClean="0"/>
-              <a:t>5/22/2022</a:t>
+              <a:t>5/26/2022</a:t>
             </a:fld>
             <a:endParaRPr lang="en-US"/>
           </a:p>
@@ -593,7 +593,7 @@
           <a:p>
             <a:fld id="{73EE89F4-C31D-45E3-BFAA-D8E8790DFB86}" type="datetimeFigureOut">
               <a:rPr lang="en-US" smtClean="0"/>
-              <a:t>5/22/2022</a:t>
+              <a:t>5/26/2022</a:t>
             </a:fld>
             <a:endParaRPr lang="en-US"/>
           </a:p>
@@ -763,7 +763,7 @@
           <a:p>
             <a:fld id="{73EE89F4-C31D-45E3-BFAA-D8E8790DFB86}" type="datetimeFigureOut">
               <a:rPr lang="en-US" smtClean="0"/>
-              <a:t>5/22/2022</a:t>
+              <a:t>5/26/2022</a:t>
             </a:fld>
             <a:endParaRPr lang="en-US"/>
           </a:p>
@@ -1007,7 +1007,7 @@
           <a:p>
             <a:fld id="{73EE89F4-C31D-45E3-BFAA-D8E8790DFB86}" type="datetimeFigureOut">
               <a:rPr lang="en-US" smtClean="0"/>
-              <a:t>5/22/2022</a:t>
+              <a:t>5/26/2022</a:t>
             </a:fld>
             <a:endParaRPr lang="en-US"/>
           </a:p>
@@ -1239,7 +1239,7 @@
           <a:p>
             <a:fld id="{73EE89F4-C31D-45E3-BFAA-D8E8790DFB86}" type="datetimeFigureOut">
               <a:rPr lang="en-US" smtClean="0"/>
-              <a:t>5/22/2022</a:t>
+              <a:t>5/26/2022</a:t>
             </a:fld>
             <a:endParaRPr lang="en-US"/>
           </a:p>
@@ -1606,7 +1606,7 @@
           <a:p>
             <a:fld id="{73EE89F4-C31D-45E3-BFAA-D8E8790DFB86}" type="datetimeFigureOut">
               <a:rPr lang="en-US" smtClean="0"/>
-              <a:t>5/22/2022</a:t>
+              <a:t>5/26/2022</a:t>
             </a:fld>
             <a:endParaRPr lang="en-US"/>
           </a:p>
@@ -1724,7 +1724,7 @@
           <a:p>
             <a:fld id="{73EE89F4-C31D-45E3-BFAA-D8E8790DFB86}" type="datetimeFigureOut">
               <a:rPr lang="en-US" smtClean="0"/>
-              <a:t>5/22/2022</a:t>
+              <a:t>5/26/2022</a:t>
             </a:fld>
             <a:endParaRPr lang="en-US"/>
           </a:p>
@@ -1819,7 +1819,7 @@
           <a:p>
             <a:fld id="{73EE89F4-C31D-45E3-BFAA-D8E8790DFB86}" type="datetimeFigureOut">
               <a:rPr lang="en-US" smtClean="0"/>
-              <a:t>5/22/2022</a:t>
+              <a:t>5/26/2022</a:t>
             </a:fld>
             <a:endParaRPr lang="en-US"/>
           </a:p>
@@ -2096,7 +2096,7 @@
           <a:p>
             <a:fld id="{73EE89F4-C31D-45E3-BFAA-D8E8790DFB86}" type="datetimeFigureOut">
               <a:rPr lang="en-US" smtClean="0"/>
-              <a:t>5/22/2022</a:t>
+              <a:t>5/26/2022</a:t>
             </a:fld>
             <a:endParaRPr lang="en-US"/>
           </a:p>
@@ -2353,7 +2353,7 @@
           <a:p>
             <a:fld id="{73EE89F4-C31D-45E3-BFAA-D8E8790DFB86}" type="datetimeFigureOut">
               <a:rPr lang="en-US" smtClean="0"/>
-              <a:t>5/22/2022</a:t>
+              <a:t>5/26/2022</a:t>
             </a:fld>
             <a:endParaRPr lang="en-US"/>
           </a:p>
@@ -2566,7 +2566,7 @@
           <a:p>
             <a:fld id="{73EE89F4-C31D-45E3-BFAA-D8E8790DFB86}" type="datetimeFigureOut">
               <a:rPr lang="en-US" smtClean="0"/>
-              <a:t>5/22/2022</a:t>
+              <a:t>5/26/2022</a:t>
             </a:fld>
             <a:endParaRPr lang="en-US"/>
           </a:p>
@@ -2957,6 +2957,40 @@
 <file path=ppt/slides/slide1.xml><?xml version="1.0" encoding="utf-8"?>
 <p:sld xmlns:a="http://schemas.openxmlformats.org/drawingml/2006/main" xmlns:r="http://schemas.openxmlformats.org/officeDocument/2006/relationships" xmlns:p="http://schemas.openxmlformats.org/presentationml/2006/main">
   <p:cSld>
+    <p:bg>
+      <p:bgPr>
+        <a:gradFill>
+          <a:gsLst>
+            <a:gs pos="0">
+              <a:schemeClr val="accent1">
+                <a:lumMod val="5000"/>
+                <a:lumOff val="95000"/>
+              </a:schemeClr>
+            </a:gs>
+            <a:gs pos="74000">
+              <a:schemeClr val="accent1">
+                <a:lumMod val="45000"/>
+                <a:lumOff val="55000"/>
+              </a:schemeClr>
+            </a:gs>
+            <a:gs pos="83000">
+              <a:schemeClr val="accent1">
+                <a:lumMod val="45000"/>
+                <a:lumOff val="55000"/>
+              </a:schemeClr>
+            </a:gs>
+            <a:gs pos="100000">
+              <a:schemeClr val="accent1">
+                <a:lumMod val="30000"/>
+                <a:lumOff val="70000"/>
+              </a:schemeClr>
+            </a:gs>
+          </a:gsLst>
+          <a:lin ang="5400000" scaled="1"/>
+        </a:gradFill>
+        <a:effectLst/>
+      </p:bgPr>
+    </p:bg>
     <p:spTree>
       <p:nvGrpSpPr>
         <p:cNvPr id="1" name=""/>
@@ -2983,9 +3017,10 @@
         </p:nvSpPr>
         <p:spPr>
           <a:xfrm>
-            <a:off x="1" y="0"/>
-            <a:ext cx="6857999" cy="1283749"/>
-          </a:xfrm>
+            <a:off x="0" y="2310"/>
+            <a:ext cx="6857999" cy="1186987"/>
+          </a:xfrm>
+          <a:noFill/>
           <a:ln/>
         </p:spPr>
         <p:style>
@@ -3123,330 +3158,13 @@
       </p:sp>
       <p:sp>
         <p:nvSpPr>
-          <p:cNvPr id="12" name="Rounded Rectangle 6"/>
-          <p:cNvSpPr/>
-          <p:nvPr/>
-        </p:nvSpPr>
-        <p:spPr>
-          <a:xfrm>
-            <a:off x="78355" y="3082133"/>
-            <a:ext cx="6692903" cy="1474708"/>
-          </a:xfrm>
-          <a:prstGeom prst="roundRect">
-            <a:avLst/>
-          </a:prstGeom>
-          <a:ln w="38100">
-            <a:solidFill>
-              <a:schemeClr val="accent1">
-                <a:lumMod val="75000"/>
-              </a:schemeClr>
-            </a:solidFill>
-          </a:ln>
-        </p:spPr>
-        <p:style>
-          <a:lnRef idx="2">
-            <a:schemeClr val="accent5"/>
-          </a:lnRef>
-          <a:fillRef idx="1">
-            <a:schemeClr val="lt1"/>
-          </a:fillRef>
-          <a:effectRef idx="0">
-            <a:schemeClr val="accent5"/>
-          </a:effectRef>
-          <a:fontRef idx="minor">
-            <a:schemeClr val="dk1"/>
-          </a:fontRef>
-        </p:style>
-        <p:txBody>
-          <a:bodyPr rtlCol="1" anchor="t"/>
-          <a:lstStyle/>
-          <a:p>
-            <a:pPr>
-              <a:defRPr/>
-            </a:pPr>
-            <a:r>
-              <a:rPr lang="en-US" sz="1200" dirty="0">
-                <a:solidFill>
-                  <a:prstClr val="black"/>
-                </a:solidFill>
-                <a:latin typeface="Arial" pitchFamily="34" charset="0"/>
-                <a:ea typeface="Tahoma" pitchFamily="34" charset="0"/>
-                <a:cs typeface="Arial" pitchFamily="34" charset="0"/>
-              </a:rPr>
-              <a:t>2. Introduction : The world is progressing towards autonomous vehicles with autonomous control, one of the main systems required for the field is a reliable system that can scan its environment and give an accurate indication of when an accident danger occurs and prevent it by braking / acceleration.</a:t>
-            </a:r>
-          </a:p>
-          <a:p>
-            <a:pPr>
-              <a:defRPr/>
-            </a:pPr>
-            <a:r>
-              <a:rPr lang="en-US" sz="1200" dirty="0">
-                <a:solidFill>
-                  <a:prstClr val="black"/>
-                </a:solidFill>
-                <a:latin typeface="Arial" pitchFamily="34" charset="0"/>
-                <a:ea typeface="Tahoma" pitchFamily="34" charset="0"/>
-                <a:cs typeface="Arial" pitchFamily="34" charset="0"/>
-              </a:rPr>
-              <a:t>For this to happen - the system needs to be sensitive and accurate and know how to scan the environment in real time and act accordingly - which is why we developed the tool we chose.</a:t>
-            </a:r>
-            <a:endParaRPr lang="he-IL" sz="1200" dirty="0">
-              <a:solidFill>
-                <a:prstClr val="black"/>
-              </a:solidFill>
-              <a:latin typeface="Arial" pitchFamily="34" charset="0"/>
-              <a:ea typeface="Tahoma" pitchFamily="34" charset="0"/>
-              <a:cs typeface="Arial" pitchFamily="34" charset="0"/>
-            </a:endParaRPr>
-          </a:p>
-        </p:txBody>
-      </p:sp>
-      <p:sp>
-        <p:nvSpPr>
-          <p:cNvPr id="17" name="Rounded Rectangle 6"/>
-          <p:cNvSpPr/>
-          <p:nvPr/>
-        </p:nvSpPr>
-        <p:spPr>
-          <a:xfrm>
-            <a:off x="129995" y="4918193"/>
-            <a:ext cx="6691404" cy="1283750"/>
-          </a:xfrm>
-          <a:prstGeom prst="roundRect">
-            <a:avLst/>
-          </a:prstGeom>
-          <a:ln w="38100"/>
-        </p:spPr>
-        <p:style>
-          <a:lnRef idx="2">
-            <a:schemeClr val="accent1"/>
-          </a:lnRef>
-          <a:fillRef idx="1">
-            <a:schemeClr val="lt1"/>
-          </a:fillRef>
-          <a:effectRef idx="0">
-            <a:schemeClr val="accent1"/>
-          </a:effectRef>
-          <a:fontRef idx="minor">
-            <a:schemeClr val="dk1"/>
-          </a:fontRef>
-        </p:style>
-        <p:txBody>
-          <a:bodyPr rtlCol="1" anchor="t"/>
-          <a:lstStyle/>
-          <a:p>
-            <a:pPr>
-              <a:defRPr/>
-            </a:pPr>
-            <a:r>
-              <a:rPr lang="he-IL" sz="1200" b="1" dirty="0">
-                <a:latin typeface="Arial" pitchFamily="34" charset="0"/>
-                <a:ea typeface="Tahoma" pitchFamily="34" charset="0"/>
-                <a:cs typeface="Arial" pitchFamily="34" charset="0"/>
-              </a:rPr>
-              <a:t>3</a:t>
-            </a:r>
-            <a:r>
-              <a:rPr lang="en-US" sz="1200" b="1" dirty="0">
-                <a:latin typeface="Arial" pitchFamily="34" charset="0"/>
-                <a:ea typeface="Tahoma" pitchFamily="34" charset="0"/>
-                <a:cs typeface="Arial" pitchFamily="34" charset="0"/>
-              </a:rPr>
-              <a:t>. </a:t>
-            </a:r>
-            <a:r>
-              <a:rPr lang="en-US" sz="1200" dirty="0"/>
-              <a:t>Methods/algorithms/Alternatives or Design Considerations : The main algorithm used in the system is the SLAM algorithm - which knows according to mathematical calculations to map spaces in three dimensions and within a few scans to reach very high accuracy.</a:t>
-            </a:r>
-          </a:p>
-          <a:p>
-            <a:pPr>
-              <a:defRPr/>
-            </a:pPr>
-            <a:r>
-              <a:rPr lang="en-US" sz="1200" dirty="0"/>
-              <a:t>For the rest of the methods and technology a broader detail is seen in the project itself.</a:t>
-            </a:r>
-            <a:endParaRPr lang="en-US" sz="1200" b="1" dirty="0">
-              <a:latin typeface="Arial" pitchFamily="34" charset="0"/>
-              <a:ea typeface="Tahoma" pitchFamily="34" charset="0"/>
-              <a:cs typeface="Arial" pitchFamily="34" charset="0"/>
-            </a:endParaRPr>
-          </a:p>
-        </p:txBody>
-      </p:sp>
-      <p:sp>
-        <p:nvSpPr>
-          <p:cNvPr id="29" name="Rounded Rectangle 6"/>
-          <p:cNvSpPr/>
-          <p:nvPr/>
-        </p:nvSpPr>
-        <p:spPr>
-          <a:xfrm>
-            <a:off x="128496" y="6555185"/>
-            <a:ext cx="6654802" cy="1474708"/>
-          </a:xfrm>
-          <a:prstGeom prst="roundRect">
-            <a:avLst/>
-          </a:prstGeom>
-          <a:ln w="38100">
-            <a:solidFill>
-              <a:schemeClr val="accent1">
-                <a:lumMod val="75000"/>
-              </a:schemeClr>
-            </a:solidFill>
-          </a:ln>
-        </p:spPr>
-        <p:style>
-          <a:lnRef idx="2">
-            <a:schemeClr val="accent2"/>
-          </a:lnRef>
-          <a:fillRef idx="1">
-            <a:schemeClr val="lt1"/>
-          </a:fillRef>
-          <a:effectRef idx="0">
-            <a:schemeClr val="accent2"/>
-          </a:effectRef>
-          <a:fontRef idx="minor">
-            <a:schemeClr val="dk1"/>
-          </a:fontRef>
-        </p:style>
-        <p:txBody>
-          <a:bodyPr rtlCol="1" anchor="t"/>
-          <a:lstStyle/>
-          <a:p>
-            <a:pPr algn="l">
-              <a:defRPr/>
-            </a:pPr>
-            <a:r>
-              <a:rPr lang="en-US" sz="1200" dirty="0">
-                <a:solidFill>
-                  <a:prstClr val="black"/>
-                </a:solidFill>
-                <a:latin typeface="Arial" pitchFamily="34" charset="0"/>
-                <a:ea typeface="Tahoma" pitchFamily="34" charset="0"/>
-                <a:cs typeface="Arial" pitchFamily="34" charset="0"/>
-              </a:rPr>
-              <a:t>4. Selected Approach :</a:t>
-            </a:r>
-            <a:r>
-              <a:rPr lang="he-IL" sz="1200" dirty="0">
-                <a:solidFill>
-                  <a:prstClr val="black"/>
-                </a:solidFill>
-                <a:latin typeface="Arial" pitchFamily="34" charset="0"/>
-                <a:ea typeface="Tahoma" pitchFamily="34" charset="0"/>
-                <a:cs typeface="Arial" pitchFamily="34" charset="0"/>
-              </a:rPr>
-              <a:t> </a:t>
-            </a:r>
-            <a:r>
-              <a:rPr lang="en-US" sz="1200" dirty="0">
-                <a:solidFill>
-                  <a:prstClr val="black"/>
-                </a:solidFill>
-                <a:latin typeface="Arial" pitchFamily="34" charset="0"/>
-                <a:ea typeface="Tahoma" pitchFamily="34" charset="0"/>
-                <a:cs typeface="Arial" pitchFamily="34" charset="0"/>
-              </a:rPr>
-              <a:t>Using an intel real sense camera, we photographed selected spaces to produce suitable bag files for use by the designed tool.</a:t>
-            </a:r>
-          </a:p>
-          <a:p>
-            <a:pPr algn="l">
-              <a:defRPr/>
-            </a:pPr>
-            <a:r>
-              <a:rPr lang="en-US" sz="1200" dirty="0">
-                <a:solidFill>
-                  <a:prstClr val="black"/>
-                </a:solidFill>
-                <a:latin typeface="Arial" pitchFamily="34" charset="0"/>
-                <a:ea typeface="Tahoma" pitchFamily="34" charset="0"/>
-                <a:cs typeface="Arial" pitchFamily="34" charset="0"/>
-              </a:rPr>
-              <a:t>The tool uses the SLAM algorithm to map the space and thus a three-dimensional space is obtained that the vehicle knows how to move according to the resulting scan.</a:t>
-            </a:r>
-            <a:endParaRPr lang="he-IL" sz="1200" dirty="0">
-              <a:solidFill>
-                <a:prstClr val="black"/>
-              </a:solidFill>
-              <a:latin typeface="Arial" pitchFamily="34" charset="0"/>
-              <a:ea typeface="Tahoma" pitchFamily="34" charset="0"/>
-              <a:cs typeface="Arial" pitchFamily="34" charset="0"/>
-            </a:endParaRPr>
-          </a:p>
-        </p:txBody>
-      </p:sp>
-      <p:sp>
-        <p:nvSpPr>
-          <p:cNvPr id="36" name="Rounded Rectangle 6"/>
-          <p:cNvSpPr/>
-          <p:nvPr/>
-        </p:nvSpPr>
-        <p:spPr>
-          <a:xfrm>
-            <a:off x="166597" y="8395050"/>
-            <a:ext cx="6654802" cy="1474708"/>
-          </a:xfrm>
-          <a:prstGeom prst="roundRect">
-            <a:avLst/>
-          </a:prstGeom>
-          <a:ln w="38100"/>
-        </p:spPr>
-        <p:style>
-          <a:lnRef idx="2">
-            <a:schemeClr val="accent3"/>
-          </a:lnRef>
-          <a:fillRef idx="1">
-            <a:schemeClr val="lt1"/>
-          </a:fillRef>
-          <a:effectRef idx="0">
-            <a:schemeClr val="accent3"/>
-          </a:effectRef>
-          <a:fontRef idx="minor">
-            <a:schemeClr val="dk1"/>
-          </a:fontRef>
-        </p:style>
-        <p:txBody>
-          <a:bodyPr rtlCol="1" anchor="t"/>
-          <a:lstStyle/>
-          <a:p>
-            <a:pPr rtl="1">
-              <a:defRPr/>
-            </a:pPr>
-            <a:r>
-              <a:rPr lang="en-US" sz="1200" dirty="0">
-                <a:solidFill>
-                  <a:prstClr val="black"/>
-                </a:solidFill>
-                <a:latin typeface="Arial" pitchFamily="34" charset="0"/>
-                <a:ea typeface="Tahoma" pitchFamily="34" charset="0"/>
-                <a:cs typeface="Arial" pitchFamily="34" charset="0"/>
-              </a:rPr>
-              <a:t>5. Solution Description :</a:t>
-            </a:r>
-            <a:endParaRPr lang="he-IL" sz="1200" dirty="0">
-              <a:solidFill>
-                <a:prstClr val="black"/>
-              </a:solidFill>
-              <a:latin typeface="Arial" pitchFamily="34" charset="0"/>
-              <a:ea typeface="Tahoma" pitchFamily="34" charset="0"/>
-              <a:cs typeface="Arial" pitchFamily="34" charset="0"/>
-            </a:endParaRPr>
-          </a:p>
-        </p:txBody>
-      </p:sp>
-      <p:sp>
-        <p:nvSpPr>
           <p:cNvPr id="13" name="TextBox 12"/>
           <p:cNvSpPr txBox="1"/>
           <p:nvPr/>
         </p:nvSpPr>
         <p:spPr>
           <a:xfrm>
-            <a:off x="6033326" y="9055645"/>
+            <a:off x="6062201" y="9065270"/>
             <a:ext cx="750659" cy="209609"/>
           </a:xfrm>
           <a:prstGeom prst="rect">
@@ -3475,65 +3193,6 @@
             <a:endParaRPr lang="he-IL" sz="762" dirty="0">
               <a:latin typeface="Arial" pitchFamily="34" charset="0"/>
               <a:cs typeface="Arial" pitchFamily="34" charset="0"/>
-            </a:endParaRPr>
-          </a:p>
-        </p:txBody>
-      </p:sp>
-      <p:sp>
-        <p:nvSpPr>
-          <p:cNvPr id="18" name="Rounded Rectangle 6">
-            <a:extLst>
-              <a:ext uri="{FF2B5EF4-FFF2-40B4-BE49-F238E27FC236}">
-                <a16:creationId xmlns:a16="http://schemas.microsoft.com/office/drawing/2014/main" id="{833CA314-16B2-48AE-972C-270F5704890A}"/>
-              </a:ext>
-            </a:extLst>
-          </p:cNvPr>
-          <p:cNvSpPr/>
-          <p:nvPr/>
-        </p:nvSpPr>
-        <p:spPr>
-          <a:xfrm>
-            <a:off x="73676" y="1372772"/>
-            <a:ext cx="6702262" cy="1323736"/>
-          </a:xfrm>
-          <a:prstGeom prst="roundRect">
-            <a:avLst/>
-          </a:prstGeom>
-          <a:ln w="38100"/>
-        </p:spPr>
-        <p:style>
-          <a:lnRef idx="2">
-            <a:schemeClr val="accent5"/>
-          </a:lnRef>
-          <a:fillRef idx="1">
-            <a:schemeClr val="lt1"/>
-          </a:fillRef>
-          <a:effectRef idx="0">
-            <a:schemeClr val="accent5"/>
-          </a:effectRef>
-          <a:fontRef idx="minor">
-            <a:schemeClr val="dk1"/>
-          </a:fontRef>
-        </p:style>
-        <p:txBody>
-          <a:bodyPr rtlCol="1" anchor="t"/>
-          <a:lstStyle/>
-          <a:p>
-            <a:pPr>
-              <a:buFontTx/>
-              <a:buAutoNum type="arabicPeriod"/>
-              <a:defRPr/>
-            </a:pPr>
-            <a:r>
-              <a:rPr lang="en-US" sz="1200" dirty="0"/>
-              <a:t>Contribution/project goal: The project is designed to develop a solution for navigation in autonomous vehicles (in a simulator or a real car), with an emphasis on the reliability of the autonomous software. </a:t>
-            </a:r>
-            <a:endParaRPr lang="he-IL" sz="1200" dirty="0">
-              <a:solidFill>
-                <a:prstClr val="black"/>
-              </a:solidFill>
-              <a:latin typeface="Arial" pitchFamily="34" charset="0"/>
-              <a:ea typeface="Tahoma" pitchFamily="34" charset="0"/>
             </a:endParaRPr>
           </a:p>
         </p:txBody>
@@ -3552,7 +3211,7 @@
         </p:nvSpPr>
         <p:spPr>
           <a:xfrm>
-            <a:off x="5906531" y="223953"/>
+            <a:off x="5906531" y="173174"/>
             <a:ext cx="784872" cy="848928"/>
           </a:xfrm>
           <a:prstGeom prst="rect">
@@ -3610,8 +3269,8 @@
         </p:blipFill>
         <p:spPr>
           <a:xfrm>
-            <a:off x="73675" y="91413"/>
-            <a:ext cx="1116572" cy="1105544"/>
+            <a:off x="5282055" y="9338097"/>
+            <a:ext cx="705827" cy="698855"/>
           </a:xfrm>
           <a:prstGeom prst="rect">
             <a:avLst/>
@@ -3640,218 +3299,14 @@
         </p:blipFill>
         <p:spPr>
           <a:xfrm>
-            <a:off x="6147627" y="9252232"/>
-            <a:ext cx="596074" cy="586408"/>
+            <a:off x="6073610" y="9318111"/>
+            <a:ext cx="710375" cy="698855"/>
           </a:xfrm>
           <a:prstGeom prst="rect">
             <a:avLst/>
           </a:prstGeom>
         </p:spPr>
       </p:pic>
-      <p:sp>
-        <p:nvSpPr>
-          <p:cNvPr id="20" name="Arrow: Down 15">
-            <a:extLst>
-              <a:ext uri="{FF2B5EF4-FFF2-40B4-BE49-F238E27FC236}">
-                <a16:creationId xmlns:a16="http://schemas.microsoft.com/office/drawing/2014/main" id="{1B5FA472-EB90-4B92-4C07-41DC0EAB74BA}"/>
-              </a:ext>
-            </a:extLst>
-          </p:cNvPr>
-          <p:cNvSpPr/>
-          <p:nvPr/>
-        </p:nvSpPr>
-        <p:spPr>
-          <a:xfrm>
-            <a:off x="3230835" y="6232482"/>
-            <a:ext cx="236752" cy="299810"/>
-          </a:xfrm>
-          <a:prstGeom prst="downArrow">
-            <a:avLst/>
-          </a:prstGeom>
-        </p:spPr>
-        <p:style>
-          <a:lnRef idx="2">
-            <a:schemeClr val="accent1">
-              <a:shade val="50000"/>
-            </a:schemeClr>
-          </a:lnRef>
-          <a:fillRef idx="1">
-            <a:schemeClr val="accent1"/>
-          </a:fillRef>
-          <a:effectRef idx="0">
-            <a:schemeClr val="accent1"/>
-          </a:effectRef>
-          <a:fontRef idx="minor">
-            <a:schemeClr val="lt1"/>
-          </a:fontRef>
-        </p:style>
-        <p:txBody>
-          <a:bodyPr rot="0" spcFirstLastPara="0" vertOverflow="overflow" horzOverflow="overflow" vert="horz" wrap="square" lIns="24882" tIns="12440" rIns="24882" bIns="12440" numCol="1" spcCol="0" rtlCol="0" fromWordArt="0" anchor="ctr" anchorCtr="0" forceAA="0" compatLnSpc="1">
-            <a:prstTxWarp prst="textNoShape">
-              <a:avLst/>
-            </a:prstTxWarp>
-            <a:noAutofit/>
-          </a:bodyPr>
-          <a:lstStyle/>
-          <a:p>
-            <a:pPr algn="r" rtl="1"/>
-            <a:endParaRPr lang="en-US" sz="490"/>
-          </a:p>
-        </p:txBody>
-      </p:sp>
-      <p:sp>
-        <p:nvSpPr>
-          <p:cNvPr id="21" name="Arrow: Down 15">
-            <a:extLst>
-              <a:ext uri="{FF2B5EF4-FFF2-40B4-BE49-F238E27FC236}">
-                <a16:creationId xmlns:a16="http://schemas.microsoft.com/office/drawing/2014/main" id="{69DA93BE-634A-0092-E526-9E554C102B25}"/>
-              </a:ext>
-            </a:extLst>
-          </p:cNvPr>
-          <p:cNvSpPr/>
-          <p:nvPr/>
-        </p:nvSpPr>
-        <p:spPr>
-          <a:xfrm>
-            <a:off x="3256235" y="8079142"/>
-            <a:ext cx="236752" cy="299810"/>
-          </a:xfrm>
-          <a:prstGeom prst="downArrow">
-            <a:avLst/>
-          </a:prstGeom>
-        </p:spPr>
-        <p:style>
-          <a:lnRef idx="2">
-            <a:schemeClr val="accent1">
-              <a:shade val="50000"/>
-            </a:schemeClr>
-          </a:lnRef>
-          <a:fillRef idx="1">
-            <a:schemeClr val="accent1"/>
-          </a:fillRef>
-          <a:effectRef idx="0">
-            <a:schemeClr val="accent1"/>
-          </a:effectRef>
-          <a:fontRef idx="minor">
-            <a:schemeClr val="lt1"/>
-          </a:fontRef>
-        </p:style>
-        <p:txBody>
-          <a:bodyPr rot="0" spcFirstLastPara="0" vertOverflow="overflow" horzOverflow="overflow" vert="horz" wrap="square" lIns="24882" tIns="12440" rIns="24882" bIns="12440" numCol="1" spcCol="0" rtlCol="0" fromWordArt="0" anchor="ctr" anchorCtr="0" forceAA="0" compatLnSpc="1">
-            <a:prstTxWarp prst="textNoShape">
-              <a:avLst/>
-            </a:prstTxWarp>
-            <a:noAutofit/>
-          </a:bodyPr>
-          <a:lstStyle/>
-          <a:p>
-            <a:pPr algn="r" rtl="1"/>
-            <a:endParaRPr lang="en-US" sz="490"/>
-          </a:p>
-        </p:txBody>
-      </p:sp>
-      <p:sp>
-        <p:nvSpPr>
-          <p:cNvPr id="22" name="Arrow: Down 15">
-            <a:extLst>
-              <a:ext uri="{FF2B5EF4-FFF2-40B4-BE49-F238E27FC236}">
-                <a16:creationId xmlns:a16="http://schemas.microsoft.com/office/drawing/2014/main" id="{BADDEE25-8809-A3FB-EBF6-8BA9C2C30AE1}"/>
-              </a:ext>
-            </a:extLst>
-          </p:cNvPr>
-          <p:cNvSpPr/>
-          <p:nvPr/>
-        </p:nvSpPr>
-        <p:spPr>
-          <a:xfrm>
-            <a:off x="3230835" y="4597325"/>
-            <a:ext cx="236752" cy="299810"/>
-          </a:xfrm>
-          <a:prstGeom prst="downArrow">
-            <a:avLst/>
-          </a:prstGeom>
-        </p:spPr>
-        <p:style>
-          <a:lnRef idx="2">
-            <a:schemeClr val="accent1">
-              <a:shade val="50000"/>
-            </a:schemeClr>
-          </a:lnRef>
-          <a:fillRef idx="1">
-            <a:schemeClr val="accent1"/>
-          </a:fillRef>
-          <a:effectRef idx="0">
-            <a:schemeClr val="accent1"/>
-          </a:effectRef>
-          <a:fontRef idx="minor">
-            <a:schemeClr val="lt1"/>
-          </a:fontRef>
-        </p:style>
-        <p:txBody>
-          <a:bodyPr rot="0" spcFirstLastPara="0" vertOverflow="overflow" horzOverflow="overflow" vert="horz" wrap="square" lIns="24882" tIns="12440" rIns="24882" bIns="12440" numCol="1" spcCol="0" rtlCol="0" fromWordArt="0" anchor="ctr" anchorCtr="0" forceAA="0" compatLnSpc="1">
-            <a:prstTxWarp prst="textNoShape">
-              <a:avLst/>
-            </a:prstTxWarp>
-            <a:noAutofit/>
-          </a:bodyPr>
-          <a:lstStyle/>
-          <a:p>
-            <a:pPr algn="r" rtl="1"/>
-            <a:endParaRPr lang="en-US" sz="490"/>
-          </a:p>
-        </p:txBody>
-      </p:sp>
-      <p:sp>
-        <p:nvSpPr>
-          <p:cNvPr id="23" name="Arrow: Down 15">
-            <a:extLst>
-              <a:ext uri="{FF2B5EF4-FFF2-40B4-BE49-F238E27FC236}">
-                <a16:creationId xmlns:a16="http://schemas.microsoft.com/office/drawing/2014/main" id="{93E637DE-5D4A-E1AD-E5B0-C4B8DD73C739}"/>
-              </a:ext>
-            </a:extLst>
-          </p:cNvPr>
-          <p:cNvSpPr/>
-          <p:nvPr/>
-        </p:nvSpPr>
-        <p:spPr>
-          <a:xfrm>
-            <a:off x="3245464" y="2741840"/>
-            <a:ext cx="236752" cy="299810"/>
-          </a:xfrm>
-          <a:prstGeom prst="downArrow">
-            <a:avLst/>
-          </a:prstGeom>
-        </p:spPr>
-        <p:style>
-          <a:lnRef idx="2">
-            <a:schemeClr val="accent1">
-              <a:shade val="50000"/>
-            </a:schemeClr>
-          </a:lnRef>
-          <a:fillRef idx="1">
-            <a:schemeClr val="accent1"/>
-          </a:fillRef>
-          <a:effectRef idx="0">
-            <a:schemeClr val="accent1"/>
-          </a:effectRef>
-          <a:fontRef idx="minor">
-            <a:schemeClr val="lt1"/>
-          </a:fontRef>
-        </p:style>
-        <p:txBody>
-          <a:bodyPr rot="0" spcFirstLastPara="0" vertOverflow="overflow" horzOverflow="overflow" vert="horz" wrap="square" lIns="24882" tIns="12440" rIns="24882" bIns="12440" numCol="1" spcCol="0" rtlCol="0" fromWordArt="0" anchor="ctr" anchorCtr="0" forceAA="0" compatLnSpc="1">
-            <a:prstTxWarp prst="textNoShape">
-              <a:avLst/>
-            </a:prstTxWarp>
-            <a:noAutofit/>
-          </a:bodyPr>
-          <a:lstStyle/>
-          <a:p>
-            <a:pPr algn="r" rtl="1"/>
-            <a:endParaRPr lang="en-US" sz="490"/>
-          </a:p>
-        </p:txBody>
-      </p:sp>
       <p:pic>
         <p:nvPicPr>
           <p:cNvPr id="5" name="תמונה 4">
@@ -3874,7 +3329,7 @@
         </p:blipFill>
         <p:spPr>
           <a:xfrm>
-            <a:off x="2980240" y="9267202"/>
+            <a:off x="598516" y="9506579"/>
             <a:ext cx="340810" cy="495364"/>
           </a:xfrm>
           <a:prstGeom prst="rect">
@@ -3904,7 +3359,7 @@
         </p:blipFill>
         <p:spPr>
           <a:xfrm>
-            <a:off x="2381270" y="9290594"/>
+            <a:off x="124614" y="9523288"/>
             <a:ext cx="435410" cy="427037"/>
           </a:xfrm>
           <a:prstGeom prst="rect">
@@ -3934,38 +3389,8 @@
         </p:blipFill>
         <p:spPr>
           <a:xfrm>
-            <a:off x="2328927" y="8875456"/>
+            <a:off x="2699802" y="9079951"/>
             <a:ext cx="1019895" cy="358048"/>
-          </a:xfrm>
-          <a:prstGeom prst="rect">
-            <a:avLst/>
-          </a:prstGeom>
-        </p:spPr>
-      </p:pic>
-      <p:pic>
-        <p:nvPicPr>
-          <p:cNvPr id="25" name="תמונה 24">
-            <a:extLst>
-              <a:ext uri="{FF2B5EF4-FFF2-40B4-BE49-F238E27FC236}">
-                <a16:creationId xmlns:a16="http://schemas.microsoft.com/office/drawing/2014/main" id="{E8018B3E-5282-B7AC-A4D7-AFC3B218691F}"/>
-              </a:ext>
-            </a:extLst>
-          </p:cNvPr>
-          <p:cNvPicPr>
-            <a:picLocks noChangeAspect="1"/>
-          </p:cNvPicPr>
-          <p:nvPr/>
-        </p:nvPicPr>
-        <p:blipFill>
-          <a:blip r:embed="rId7"/>
-          <a:stretch>
-            <a:fillRect/>
-          </a:stretch>
-        </p:blipFill>
-        <p:spPr>
-          <a:xfrm>
-            <a:off x="709292" y="9294806"/>
-            <a:ext cx="1351244" cy="304792"/>
           </a:xfrm>
           <a:prstGeom prst="rect">
             <a:avLst/>
@@ -3987,6 +3412,464 @@
           <p:nvPr/>
         </p:nvPicPr>
         <p:blipFill>
+          <a:blip r:embed="rId7"/>
+          <a:stretch>
+            <a:fillRect/>
+          </a:stretch>
+        </p:blipFill>
+        <p:spPr>
+          <a:xfrm>
+            <a:off x="110019" y="9099202"/>
+            <a:ext cx="1392254" cy="313067"/>
+          </a:xfrm>
+          <a:prstGeom prst="rect">
+            <a:avLst/>
+          </a:prstGeom>
+        </p:spPr>
+      </p:pic>
+      <p:sp>
+        <p:nvSpPr>
+          <p:cNvPr id="28" name="Rounded Rectangle 6">
+            <a:extLst>
+              <a:ext uri="{FF2B5EF4-FFF2-40B4-BE49-F238E27FC236}">
+                <a16:creationId xmlns:a16="http://schemas.microsoft.com/office/drawing/2014/main" id="{1E8AFA79-B1FF-62CA-3032-124F1733589B}"/>
+              </a:ext>
+            </a:extLst>
+          </p:cNvPr>
+          <p:cNvSpPr/>
+          <p:nvPr/>
+        </p:nvSpPr>
+        <p:spPr>
+          <a:xfrm>
+            <a:off x="37917" y="1555826"/>
+            <a:ext cx="6702262" cy="723610"/>
+          </a:xfrm>
+          <a:prstGeom prst="roundRect">
+            <a:avLst/>
+          </a:prstGeom>
+          <a:ln w="38100"/>
+        </p:spPr>
+        <p:style>
+          <a:lnRef idx="2">
+            <a:schemeClr val="accent5"/>
+          </a:lnRef>
+          <a:fillRef idx="1">
+            <a:schemeClr val="lt1"/>
+          </a:fillRef>
+          <a:effectRef idx="0">
+            <a:schemeClr val="accent5"/>
+          </a:effectRef>
+          <a:fontRef idx="minor">
+            <a:schemeClr val="dk1"/>
+          </a:fontRef>
+        </p:style>
+        <p:txBody>
+          <a:bodyPr rtlCol="1" anchor="t"/>
+          <a:lstStyle/>
+          <a:p>
+            <a:pPr>
+              <a:defRPr/>
+            </a:pPr>
+            <a:r>
+              <a:rPr lang="en-US" sz="1400" dirty="0"/>
+              <a:t>The project is designed to develop a solution for navigation in autonomous vehicles (in a simulator or a real car), with an emphasis on the reliability of the autonomous software. </a:t>
+            </a:r>
+            <a:endParaRPr lang="he-IL" sz="1400" dirty="0">
+              <a:solidFill>
+                <a:prstClr val="black"/>
+              </a:solidFill>
+              <a:latin typeface="Arial" pitchFamily="34" charset="0"/>
+              <a:ea typeface="Tahoma" pitchFamily="34" charset="0"/>
+            </a:endParaRPr>
+          </a:p>
+        </p:txBody>
+      </p:sp>
+      <p:sp>
+        <p:nvSpPr>
+          <p:cNvPr id="30" name="Rounded Rectangle 6">
+            <a:extLst>
+              <a:ext uri="{FF2B5EF4-FFF2-40B4-BE49-F238E27FC236}">
+                <a16:creationId xmlns:a16="http://schemas.microsoft.com/office/drawing/2014/main" id="{7E4D3213-CD32-8C40-59DA-696DDC446BA8}"/>
+              </a:ext>
+            </a:extLst>
+          </p:cNvPr>
+          <p:cNvSpPr/>
+          <p:nvPr/>
+        </p:nvSpPr>
+        <p:spPr>
+          <a:xfrm>
+            <a:off x="2370" y="2620978"/>
+            <a:ext cx="6781615" cy="1705758"/>
+          </a:xfrm>
+          <a:prstGeom prst="roundRect">
+            <a:avLst/>
+          </a:prstGeom>
+          <a:ln w="38100">
+            <a:solidFill>
+              <a:schemeClr val="accent1">
+                <a:lumMod val="75000"/>
+              </a:schemeClr>
+            </a:solidFill>
+          </a:ln>
+        </p:spPr>
+        <p:style>
+          <a:lnRef idx="2">
+            <a:schemeClr val="accent5"/>
+          </a:lnRef>
+          <a:fillRef idx="1">
+            <a:schemeClr val="lt1"/>
+          </a:fillRef>
+          <a:effectRef idx="0">
+            <a:schemeClr val="accent5"/>
+          </a:effectRef>
+          <a:fontRef idx="minor">
+            <a:schemeClr val="dk1"/>
+          </a:fontRef>
+        </p:style>
+        <p:txBody>
+          <a:bodyPr rtlCol="1" anchor="t"/>
+          <a:lstStyle/>
+          <a:p>
+            <a:pPr>
+              <a:defRPr/>
+            </a:pPr>
+            <a:r>
+              <a:rPr lang="en-US" sz="1400" dirty="0"/>
+              <a:t>The world is progressing towards autonomous vehicles with autonomous control, one of the main systems required for the field is a reliable system that can scan its environment and give an accurate indication of when an accident danger occurs and prevent it by braking / acceleration.</a:t>
+            </a:r>
+          </a:p>
+          <a:p>
+            <a:pPr>
+              <a:defRPr/>
+            </a:pPr>
+            <a:r>
+              <a:rPr lang="en-US" sz="1400" dirty="0"/>
+              <a:t>For this to happen - the system needs to be sensitive and accurate and know how to scan the environment in real time and act accordingly - which is why we developed the tool we chose.</a:t>
+            </a:r>
+            <a:endParaRPr lang="he-IL" sz="1400" dirty="0"/>
+          </a:p>
+        </p:txBody>
+      </p:sp>
+      <p:sp>
+        <p:nvSpPr>
+          <p:cNvPr id="34" name="תיבת טקסט 33">
+            <a:extLst>
+              <a:ext uri="{FF2B5EF4-FFF2-40B4-BE49-F238E27FC236}">
+                <a16:creationId xmlns:a16="http://schemas.microsoft.com/office/drawing/2014/main" id="{991A17D1-5988-AA49-0807-A7B7BF0B392A}"/>
+              </a:ext>
+            </a:extLst>
+          </p:cNvPr>
+          <p:cNvSpPr txBox="1"/>
+          <p:nvPr/>
+        </p:nvSpPr>
+        <p:spPr>
+          <a:xfrm>
+            <a:off x="9041" y="4380847"/>
+            <a:ext cx="6199255" cy="338554"/>
+          </a:xfrm>
+          <a:prstGeom prst="rect">
+            <a:avLst/>
+          </a:prstGeom>
+          <a:noFill/>
+        </p:spPr>
+        <p:txBody>
+          <a:bodyPr wrap="square">
+            <a:spAutoFit/>
+          </a:bodyPr>
+          <a:lstStyle/>
+          <a:p>
+            <a:r>
+              <a:rPr lang="en-US" sz="1600" b="1" dirty="0"/>
+              <a:t>Methods/algorithms/Alternatives or Design Considerations : </a:t>
+            </a:r>
+            <a:endParaRPr lang="he-IL" sz="1600" b="1" dirty="0"/>
+          </a:p>
+        </p:txBody>
+      </p:sp>
+      <p:sp>
+        <p:nvSpPr>
+          <p:cNvPr id="37" name="Rounded Rectangle 6">
+            <a:extLst>
+              <a:ext uri="{FF2B5EF4-FFF2-40B4-BE49-F238E27FC236}">
+                <a16:creationId xmlns:a16="http://schemas.microsoft.com/office/drawing/2014/main" id="{2C65C494-37A5-CC21-D562-E3A186107371}"/>
+              </a:ext>
+            </a:extLst>
+          </p:cNvPr>
+          <p:cNvSpPr/>
+          <p:nvPr/>
+        </p:nvSpPr>
+        <p:spPr>
+          <a:xfrm>
+            <a:off x="37917" y="4736272"/>
+            <a:ext cx="6782166" cy="2128970"/>
+          </a:xfrm>
+          <a:prstGeom prst="roundRect">
+            <a:avLst/>
+          </a:prstGeom>
+          <a:ln w="38100"/>
+        </p:spPr>
+        <p:style>
+          <a:lnRef idx="2">
+            <a:schemeClr val="accent5"/>
+          </a:lnRef>
+          <a:fillRef idx="1">
+            <a:schemeClr val="lt1"/>
+          </a:fillRef>
+          <a:effectRef idx="0">
+            <a:schemeClr val="accent5"/>
+          </a:effectRef>
+          <a:fontRef idx="minor">
+            <a:schemeClr val="dk1"/>
+          </a:fontRef>
+        </p:style>
+        <p:txBody>
+          <a:bodyPr rtlCol="1" anchor="t"/>
+          <a:lstStyle/>
+          <a:p>
+            <a:pPr>
+              <a:defRPr/>
+            </a:pPr>
+            <a:r>
+              <a:rPr lang="en-US" sz="1400" dirty="0"/>
+              <a:t>A major part of this project and the solution we were required to perform was a comparison and literary scan between the two main cameras currently on the market: a camera with a depth dimension and a standard camera.</a:t>
+            </a:r>
+          </a:p>
+          <a:p>
+            <a:pPr>
+              <a:defRPr/>
+            </a:pPr>
+            <a:r>
+              <a:rPr lang="en-US" sz="1400" dirty="0"/>
+              <a:t>These cameras are used by the following tools: AR Core and Intel Real Sense.</a:t>
+            </a:r>
+          </a:p>
+          <a:p>
+            <a:pPr>
+              <a:defRPr/>
+            </a:pPr>
+            <a:r>
+              <a:rPr lang="en-US" sz="1400" dirty="0"/>
+              <a:t>This comparison is intended so that we can know who better uses the main mapping algorithm.</a:t>
+            </a:r>
+          </a:p>
+          <a:p>
+            <a:pPr>
+              <a:defRPr/>
+            </a:pPr>
+            <a:r>
+              <a:rPr lang="en-US" sz="1400" dirty="0"/>
+              <a:t>The main algorithm used in the system is the SLAM algorithm - which knows according to mathematical calculations to map three-dimensional spaces and reach very high accuracy.</a:t>
+            </a:r>
+            <a:endParaRPr lang="he-IL" sz="1400" dirty="0"/>
+          </a:p>
+        </p:txBody>
+      </p:sp>
+      <p:sp>
+        <p:nvSpPr>
+          <p:cNvPr id="38" name="תיבת טקסט 37">
+            <a:extLst>
+              <a:ext uri="{FF2B5EF4-FFF2-40B4-BE49-F238E27FC236}">
+                <a16:creationId xmlns:a16="http://schemas.microsoft.com/office/drawing/2014/main" id="{E6CE977C-12DA-5850-AD5A-CAAAB45FCAF5}"/>
+              </a:ext>
+            </a:extLst>
+          </p:cNvPr>
+          <p:cNvSpPr txBox="1"/>
+          <p:nvPr/>
+        </p:nvSpPr>
+        <p:spPr>
+          <a:xfrm>
+            <a:off x="0" y="2250298"/>
+            <a:ext cx="6199255" cy="338554"/>
+          </a:xfrm>
+          <a:prstGeom prst="rect">
+            <a:avLst/>
+          </a:prstGeom>
+          <a:noFill/>
+        </p:spPr>
+        <p:txBody>
+          <a:bodyPr wrap="square">
+            <a:spAutoFit/>
+          </a:bodyPr>
+          <a:lstStyle/>
+          <a:p>
+            <a:r>
+              <a:rPr lang="en-US" sz="1600" b="1" dirty="0"/>
+              <a:t>Introduction :</a:t>
+            </a:r>
+            <a:endParaRPr lang="he-IL" sz="1600" b="1" dirty="0"/>
+          </a:p>
+        </p:txBody>
+      </p:sp>
+      <p:sp>
+        <p:nvSpPr>
+          <p:cNvPr id="39" name="תיבת טקסט 38">
+            <a:extLst>
+              <a:ext uri="{FF2B5EF4-FFF2-40B4-BE49-F238E27FC236}">
+                <a16:creationId xmlns:a16="http://schemas.microsoft.com/office/drawing/2014/main" id="{F08B012B-2696-FD5D-FC6B-AA0AD25351E4}"/>
+              </a:ext>
+            </a:extLst>
+          </p:cNvPr>
+          <p:cNvSpPr txBox="1"/>
+          <p:nvPr/>
+        </p:nvSpPr>
+        <p:spPr>
+          <a:xfrm>
+            <a:off x="2377" y="1245994"/>
+            <a:ext cx="6199255" cy="338554"/>
+          </a:xfrm>
+          <a:prstGeom prst="rect">
+            <a:avLst/>
+          </a:prstGeom>
+          <a:noFill/>
+        </p:spPr>
+        <p:txBody>
+          <a:bodyPr wrap="square">
+            <a:spAutoFit/>
+          </a:bodyPr>
+          <a:lstStyle/>
+          <a:p>
+            <a:r>
+              <a:rPr lang="en-US" sz="1600" b="1" dirty="0"/>
+              <a:t>Project goal :</a:t>
+            </a:r>
+            <a:endParaRPr lang="he-IL" sz="1600" b="1" dirty="0"/>
+          </a:p>
+        </p:txBody>
+      </p:sp>
+      <p:sp>
+        <p:nvSpPr>
+          <p:cNvPr id="40" name="תיבת טקסט 39">
+            <a:extLst>
+              <a:ext uri="{FF2B5EF4-FFF2-40B4-BE49-F238E27FC236}">
+                <a16:creationId xmlns:a16="http://schemas.microsoft.com/office/drawing/2014/main" id="{48D6B9AF-5DC4-0E75-3D0B-16361034955A}"/>
+              </a:ext>
+            </a:extLst>
+          </p:cNvPr>
+          <p:cNvSpPr txBox="1"/>
+          <p:nvPr/>
+        </p:nvSpPr>
+        <p:spPr>
+          <a:xfrm>
+            <a:off x="18666" y="6903744"/>
+            <a:ext cx="3551722" cy="338554"/>
+          </a:xfrm>
+          <a:prstGeom prst="rect">
+            <a:avLst/>
+          </a:prstGeom>
+          <a:noFill/>
+        </p:spPr>
+        <p:txBody>
+          <a:bodyPr wrap="square">
+            <a:spAutoFit/>
+          </a:bodyPr>
+          <a:lstStyle/>
+          <a:p>
+            <a:r>
+              <a:rPr lang="en-US" sz="1600" b="1" dirty="0"/>
+              <a:t>Selected Approach :</a:t>
+            </a:r>
+            <a:endParaRPr lang="he-IL" sz="1600" b="1" dirty="0"/>
+          </a:p>
+        </p:txBody>
+      </p:sp>
+      <p:sp>
+        <p:nvSpPr>
+          <p:cNvPr id="41" name="Rounded Rectangle 6">
+            <a:extLst>
+              <a:ext uri="{FF2B5EF4-FFF2-40B4-BE49-F238E27FC236}">
+                <a16:creationId xmlns:a16="http://schemas.microsoft.com/office/drawing/2014/main" id="{2AEE8566-F554-02F1-2022-6EF521ED9B80}"/>
+              </a:ext>
+            </a:extLst>
+          </p:cNvPr>
+          <p:cNvSpPr/>
+          <p:nvPr/>
+        </p:nvSpPr>
+        <p:spPr>
+          <a:xfrm>
+            <a:off x="61647" y="7277892"/>
+            <a:ext cx="6758436" cy="1712103"/>
+          </a:xfrm>
+          <a:prstGeom prst="roundRect">
+            <a:avLst/>
+          </a:prstGeom>
+          <a:ln w="38100">
+            <a:solidFill>
+              <a:schemeClr val="accent1">
+                <a:lumMod val="75000"/>
+              </a:schemeClr>
+            </a:solidFill>
+          </a:ln>
+        </p:spPr>
+        <p:style>
+          <a:lnRef idx="2">
+            <a:schemeClr val="accent2"/>
+          </a:lnRef>
+          <a:fillRef idx="1">
+            <a:schemeClr val="lt1"/>
+          </a:fillRef>
+          <a:effectRef idx="0">
+            <a:schemeClr val="accent2"/>
+          </a:effectRef>
+          <a:fontRef idx="minor">
+            <a:schemeClr val="dk1"/>
+          </a:fontRef>
+        </p:style>
+        <p:txBody>
+          <a:bodyPr rtlCol="1" anchor="t"/>
+          <a:lstStyle/>
+          <a:p>
+            <a:pPr algn="l">
+              <a:defRPr/>
+            </a:pPr>
+            <a:r>
+              <a:rPr lang="en-US" sz="1400" dirty="0"/>
+              <a:t>Using the Intel Real Sense camera,</a:t>
+            </a:r>
+          </a:p>
+          <a:p>
+            <a:pPr algn="l">
+              <a:defRPr/>
+            </a:pPr>
+            <a:r>
+              <a:rPr lang="en-US" sz="1400" dirty="0"/>
+              <a:t>And using the AR Core app we photographed selected spaces to produce portfolio files suitable for use with the designed tool.</a:t>
+            </a:r>
+          </a:p>
+          <a:p>
+            <a:pPr algn="l">
+              <a:defRPr/>
+            </a:pPr>
+            <a:r>
+              <a:rPr lang="en-US" sz="1400" dirty="0"/>
+              <a:t>We created a cloud of dots and used</a:t>
+            </a:r>
+          </a:p>
+          <a:p>
+            <a:pPr algn="l">
+              <a:defRPr/>
+            </a:pPr>
+            <a:r>
+              <a:rPr lang="en-US" sz="1400" dirty="0"/>
+              <a:t>In the SLAM algorithm in order to map the space and thus a three-dimensional space is obtained with the help of which the vehicle knows how to navigate and identify the space and move according to the resulting scan</a:t>
+            </a:r>
+          </a:p>
+        </p:txBody>
+      </p:sp>
+      <p:pic>
+        <p:nvPicPr>
+          <p:cNvPr id="43" name="תמונה 42">
+            <a:extLst>
+              <a:ext uri="{FF2B5EF4-FFF2-40B4-BE49-F238E27FC236}">
+                <a16:creationId xmlns:a16="http://schemas.microsoft.com/office/drawing/2014/main" id="{864342DB-A2B4-B5C2-6FE0-5C1E74B16C22}"/>
+              </a:ext>
+            </a:extLst>
+          </p:cNvPr>
+          <p:cNvPicPr>
+            <a:picLocks noChangeAspect="1"/>
+          </p:cNvPicPr>
+          <p:nvPr/>
+        </p:nvPicPr>
+        <p:blipFill>
           <a:blip r:embed="rId8"/>
           <a:stretch>
             <a:fillRect/>
@@ -3994,8 +3877,8 @@
         </p:blipFill>
         <p:spPr>
           <a:xfrm>
-            <a:off x="573058" y="8846080"/>
-            <a:ext cx="1592292" cy="358048"/>
+            <a:off x="1014520" y="9469837"/>
+            <a:ext cx="509658" cy="509658"/>
           </a:xfrm>
           <a:prstGeom prst="rect">
             <a:avLst/>
@@ -4004,10 +3887,10 @@
       </p:pic>
       <p:pic>
         <p:nvPicPr>
-          <p:cNvPr id="32" name="תמונה 31">
+          <p:cNvPr id="45" name="תמונה 44">
             <a:extLst>
               <a:ext uri="{FF2B5EF4-FFF2-40B4-BE49-F238E27FC236}">
-                <a16:creationId xmlns:a16="http://schemas.microsoft.com/office/drawing/2014/main" id="{CF644AD8-9C23-238D-5A2E-9A72C177C722}"/>
+                <a16:creationId xmlns:a16="http://schemas.microsoft.com/office/drawing/2014/main" id="{D621325F-6A92-D170-530F-74CD26F5A49C}"/>
               </a:ext>
             </a:extLst>
           </p:cNvPr>
@@ -4024,8 +3907,8 @@
         </p:blipFill>
         <p:spPr>
           <a:xfrm>
-            <a:off x="3449095" y="8892652"/>
-            <a:ext cx="1173705" cy="291001"/>
+            <a:off x="1584295" y="9099201"/>
+            <a:ext cx="1001206" cy="326480"/>
           </a:xfrm>
           <a:prstGeom prst="rect">
             <a:avLst/>
@@ -4034,10 +3917,10 @@
       </p:pic>
       <p:pic>
         <p:nvPicPr>
-          <p:cNvPr id="7" name="Picture 6">
+          <p:cNvPr id="47" name="תמונה 46">
             <a:extLst>
               <a:ext uri="{FF2B5EF4-FFF2-40B4-BE49-F238E27FC236}">
-                <a16:creationId xmlns:a16="http://schemas.microsoft.com/office/drawing/2014/main" id="{AC92BF85-14AF-23D2-0771-84B5D63ACFD6}"/>
+                <a16:creationId xmlns:a16="http://schemas.microsoft.com/office/drawing/2014/main" id="{1DEF9B33-4E1F-AE85-3F98-C87B211FB53E}"/>
               </a:ext>
             </a:extLst>
           </p:cNvPr>
@@ -4054,8 +3937,38 @@
         </p:blipFill>
         <p:spPr>
           <a:xfrm>
-            <a:off x="3492486" y="9231271"/>
-            <a:ext cx="596074" cy="521565"/>
+            <a:off x="1599372" y="9506577"/>
+            <a:ext cx="1455375" cy="495365"/>
+          </a:xfrm>
+          <a:prstGeom prst="rect">
+            <a:avLst/>
+          </a:prstGeom>
+        </p:spPr>
+      </p:pic>
+      <p:pic>
+        <p:nvPicPr>
+          <p:cNvPr id="49" name="תמונה 48">
+            <a:extLst>
+              <a:ext uri="{FF2B5EF4-FFF2-40B4-BE49-F238E27FC236}">
+                <a16:creationId xmlns:a16="http://schemas.microsoft.com/office/drawing/2014/main" id="{5545298F-23FC-D2EC-5C82-8F91E8280BB3}"/>
+              </a:ext>
+            </a:extLst>
+          </p:cNvPr>
+          <p:cNvPicPr>
+            <a:picLocks noChangeAspect="1"/>
+          </p:cNvPicPr>
+          <p:nvPr/>
+        </p:nvPicPr>
+        <p:blipFill>
+          <a:blip r:embed="rId11"/>
+          <a:stretch>
+            <a:fillRect/>
+          </a:stretch>
+        </p:blipFill>
+        <p:spPr>
+          <a:xfrm>
+            <a:off x="134540" y="243466"/>
+            <a:ext cx="1343212" cy="819264"/>
           </a:xfrm>
           <a:prstGeom prst="rect">
             <a:avLst/>

--- a/Documents/Poster Template Ariel Projects 2022 (1).pptx
+++ b/Documents/Poster Template Ariel Projects 2022 (1).pptx
@@ -243,7 +243,7 @@
           <a:p>
             <a:fld id="{73EE89F4-C31D-45E3-BFAA-D8E8790DFB86}" type="datetimeFigureOut">
               <a:rPr lang="en-US" smtClean="0"/>
-              <a:t>5/26/2022</a:t>
+              <a:t>5/27/2022</a:t>
             </a:fld>
             <a:endParaRPr lang="en-US"/>
           </a:p>
@@ -413,7 +413,7 @@
           <a:p>
             <a:fld id="{73EE89F4-C31D-45E3-BFAA-D8E8790DFB86}" type="datetimeFigureOut">
               <a:rPr lang="en-US" smtClean="0"/>
-              <a:t>5/26/2022</a:t>
+              <a:t>5/27/2022</a:t>
             </a:fld>
             <a:endParaRPr lang="en-US"/>
           </a:p>
@@ -593,7 +593,7 @@
           <a:p>
             <a:fld id="{73EE89F4-C31D-45E3-BFAA-D8E8790DFB86}" type="datetimeFigureOut">
               <a:rPr lang="en-US" smtClean="0"/>
-              <a:t>5/26/2022</a:t>
+              <a:t>5/27/2022</a:t>
             </a:fld>
             <a:endParaRPr lang="en-US"/>
           </a:p>
@@ -763,7 +763,7 @@
           <a:p>
             <a:fld id="{73EE89F4-C31D-45E3-BFAA-D8E8790DFB86}" type="datetimeFigureOut">
               <a:rPr lang="en-US" smtClean="0"/>
-              <a:t>5/26/2022</a:t>
+              <a:t>5/27/2022</a:t>
             </a:fld>
             <a:endParaRPr lang="en-US"/>
           </a:p>
@@ -1007,7 +1007,7 @@
           <a:p>
             <a:fld id="{73EE89F4-C31D-45E3-BFAA-D8E8790DFB86}" type="datetimeFigureOut">
               <a:rPr lang="en-US" smtClean="0"/>
-              <a:t>5/26/2022</a:t>
+              <a:t>5/27/2022</a:t>
             </a:fld>
             <a:endParaRPr lang="en-US"/>
           </a:p>
@@ -1239,7 +1239,7 @@
           <a:p>
             <a:fld id="{73EE89F4-C31D-45E3-BFAA-D8E8790DFB86}" type="datetimeFigureOut">
               <a:rPr lang="en-US" smtClean="0"/>
-              <a:t>5/26/2022</a:t>
+              <a:t>5/27/2022</a:t>
             </a:fld>
             <a:endParaRPr lang="en-US"/>
           </a:p>
@@ -1606,7 +1606,7 @@
           <a:p>
             <a:fld id="{73EE89F4-C31D-45E3-BFAA-D8E8790DFB86}" type="datetimeFigureOut">
               <a:rPr lang="en-US" smtClean="0"/>
-              <a:t>5/26/2022</a:t>
+              <a:t>5/27/2022</a:t>
             </a:fld>
             <a:endParaRPr lang="en-US"/>
           </a:p>
@@ -1724,7 +1724,7 @@
           <a:p>
             <a:fld id="{73EE89F4-C31D-45E3-BFAA-D8E8790DFB86}" type="datetimeFigureOut">
               <a:rPr lang="en-US" smtClean="0"/>
-              <a:t>5/26/2022</a:t>
+              <a:t>5/27/2022</a:t>
             </a:fld>
             <a:endParaRPr lang="en-US"/>
           </a:p>
@@ -1819,7 +1819,7 @@
           <a:p>
             <a:fld id="{73EE89F4-C31D-45E3-BFAA-D8E8790DFB86}" type="datetimeFigureOut">
               <a:rPr lang="en-US" smtClean="0"/>
-              <a:t>5/26/2022</a:t>
+              <a:t>5/27/2022</a:t>
             </a:fld>
             <a:endParaRPr lang="en-US"/>
           </a:p>
@@ -2096,7 +2096,7 @@
           <a:p>
             <a:fld id="{73EE89F4-C31D-45E3-BFAA-D8E8790DFB86}" type="datetimeFigureOut">
               <a:rPr lang="en-US" smtClean="0"/>
-              <a:t>5/26/2022</a:t>
+              <a:t>5/27/2022</a:t>
             </a:fld>
             <a:endParaRPr lang="en-US"/>
           </a:p>
@@ -2353,7 +2353,7 @@
           <a:p>
             <a:fld id="{73EE89F4-C31D-45E3-BFAA-D8E8790DFB86}" type="datetimeFigureOut">
               <a:rPr lang="en-US" smtClean="0"/>
-              <a:t>5/26/2022</a:t>
+              <a:t>5/27/2022</a:t>
             </a:fld>
             <a:endParaRPr lang="en-US"/>
           </a:p>
@@ -2566,7 +2566,7 @@
           <a:p>
             <a:fld id="{73EE89F4-C31D-45E3-BFAA-D8E8790DFB86}" type="datetimeFigureOut">
               <a:rPr lang="en-US" smtClean="0"/>
-              <a:t>5/26/2022</a:t>
+              <a:t>5/27/2022</a:t>
             </a:fld>
             <a:endParaRPr lang="en-US"/>
           </a:p>
@@ -3164,8 +3164,8 @@
         </p:nvSpPr>
         <p:spPr>
           <a:xfrm>
-            <a:off x="6062201" y="9065270"/>
-            <a:ext cx="750659" cy="209609"/>
+            <a:off x="6199255" y="9175341"/>
+            <a:ext cx="613605" cy="209609"/>
           </a:xfrm>
           <a:prstGeom prst="rect">
             <a:avLst/>
@@ -3249,10 +3249,10 @@
       </p:sp>
       <p:pic>
         <p:nvPicPr>
-          <p:cNvPr id="6" name="תמונה 5">
+          <p:cNvPr id="19" name="תמונה 18">
             <a:extLst>
               <a:ext uri="{FF2B5EF4-FFF2-40B4-BE49-F238E27FC236}">
-                <a16:creationId xmlns:a16="http://schemas.microsoft.com/office/drawing/2014/main" id="{D54C7863-0866-AE80-2347-0EEA4000D016}"/>
+                <a16:creationId xmlns:a16="http://schemas.microsoft.com/office/drawing/2014/main" id="{B68A889D-9957-FA35-CD4E-BB6B2E125C58}"/>
               </a:ext>
             </a:extLst>
           </p:cNvPr>
@@ -3269,38 +3269,8 @@
         </p:blipFill>
         <p:spPr>
           <a:xfrm>
-            <a:off x="5282055" y="9338097"/>
-            <a:ext cx="705827" cy="698855"/>
-          </a:xfrm>
-          <a:prstGeom prst="rect">
-            <a:avLst/>
-          </a:prstGeom>
-        </p:spPr>
-      </p:pic>
-      <p:pic>
-        <p:nvPicPr>
-          <p:cNvPr id="19" name="תמונה 18">
-            <a:extLst>
-              <a:ext uri="{FF2B5EF4-FFF2-40B4-BE49-F238E27FC236}">
-                <a16:creationId xmlns:a16="http://schemas.microsoft.com/office/drawing/2014/main" id="{B68A889D-9957-FA35-CD4E-BB6B2E125C58}"/>
-              </a:ext>
-            </a:extLst>
-          </p:cNvPr>
-          <p:cNvPicPr>
-            <a:picLocks noChangeAspect="1"/>
-          </p:cNvPicPr>
-          <p:nvPr/>
-        </p:nvPicPr>
-        <p:blipFill>
-          <a:blip r:embed="rId3"/>
-          <a:stretch>
-            <a:fillRect/>
-          </a:stretch>
-        </p:blipFill>
-        <p:spPr>
-          <a:xfrm>
-            <a:off x="6073610" y="9318111"/>
-            <a:ext cx="710375" cy="698855"/>
+            <a:off x="6208296" y="9446410"/>
+            <a:ext cx="614388" cy="604424"/>
           </a:xfrm>
           <a:prstGeom prst="rect">
             <a:avLst/>
@@ -3322,7 +3292,7 @@
           <p:nvPr/>
         </p:nvPicPr>
         <p:blipFill>
-          <a:blip r:embed="rId4"/>
+          <a:blip r:embed="rId3"/>
           <a:stretch>
             <a:fillRect/>
           </a:stretch>
@@ -3352,7 +3322,7 @@
           <p:nvPr/>
         </p:nvPicPr>
         <p:blipFill>
-          <a:blip r:embed="rId5"/>
+          <a:blip r:embed="rId4"/>
           <a:stretch>
             <a:fillRect/>
           </a:stretch>
@@ -3382,7 +3352,7 @@
           <p:nvPr/>
         </p:nvPicPr>
         <p:blipFill>
-          <a:blip r:embed="rId6"/>
+          <a:blip r:embed="rId5"/>
           <a:stretch>
             <a:fillRect/>
           </a:stretch>
@@ -3412,7 +3382,7 @@
           <p:nvPr/>
         </p:nvPicPr>
         <p:blipFill>
-          <a:blip r:embed="rId7"/>
+          <a:blip r:embed="rId6"/>
           <a:stretch>
             <a:fillRect/>
           </a:stretch>
@@ -3870,7 +3840,7 @@
           <p:nvPr/>
         </p:nvPicPr>
         <p:blipFill>
-          <a:blip r:embed="rId8"/>
+          <a:blip r:embed="rId7"/>
           <a:stretch>
             <a:fillRect/>
           </a:stretch>
@@ -3900,7 +3870,7 @@
           <p:nvPr/>
         </p:nvPicPr>
         <p:blipFill>
-          <a:blip r:embed="rId9"/>
+          <a:blip r:embed="rId8"/>
           <a:stretch>
             <a:fillRect/>
           </a:stretch>
@@ -3909,36 +3879,6 @@
           <a:xfrm>
             <a:off x="1584295" y="9099201"/>
             <a:ext cx="1001206" cy="326480"/>
-          </a:xfrm>
-          <a:prstGeom prst="rect">
-            <a:avLst/>
-          </a:prstGeom>
-        </p:spPr>
-      </p:pic>
-      <p:pic>
-        <p:nvPicPr>
-          <p:cNvPr id="47" name="תמונה 46">
-            <a:extLst>
-              <a:ext uri="{FF2B5EF4-FFF2-40B4-BE49-F238E27FC236}">
-                <a16:creationId xmlns:a16="http://schemas.microsoft.com/office/drawing/2014/main" id="{1DEF9B33-4E1F-AE85-3F98-C87B211FB53E}"/>
-              </a:ext>
-            </a:extLst>
-          </p:cNvPr>
-          <p:cNvPicPr>
-            <a:picLocks noChangeAspect="1"/>
-          </p:cNvPicPr>
-          <p:nvPr/>
-        </p:nvPicPr>
-        <p:blipFill>
-          <a:blip r:embed="rId10"/>
-          <a:stretch>
-            <a:fillRect/>
-          </a:stretch>
-        </p:blipFill>
-        <p:spPr>
-          <a:xfrm>
-            <a:off x="1599372" y="9506577"/>
-            <a:ext cx="1455375" cy="495365"/>
           </a:xfrm>
           <a:prstGeom prst="rect">
             <a:avLst/>
@@ -3960,6 +3900,66 @@
           <p:nvPr/>
         </p:nvPicPr>
         <p:blipFill>
+          <a:blip r:embed="rId9"/>
+          <a:stretch>
+            <a:fillRect/>
+          </a:stretch>
+        </p:blipFill>
+        <p:spPr>
+          <a:xfrm>
+            <a:off x="134540" y="243466"/>
+            <a:ext cx="1343212" cy="819264"/>
+          </a:xfrm>
+          <a:prstGeom prst="rect">
+            <a:avLst/>
+          </a:prstGeom>
+        </p:spPr>
+      </p:pic>
+      <p:pic>
+        <p:nvPicPr>
+          <p:cNvPr id="7" name="תמונה 6">
+            <a:extLst>
+              <a:ext uri="{FF2B5EF4-FFF2-40B4-BE49-F238E27FC236}">
+                <a16:creationId xmlns:a16="http://schemas.microsoft.com/office/drawing/2014/main" id="{0BAA415A-6332-46CE-4471-6B2EFCB8570A}"/>
+              </a:ext>
+            </a:extLst>
+          </p:cNvPr>
+          <p:cNvPicPr>
+            <a:picLocks noChangeAspect="1"/>
+          </p:cNvPicPr>
+          <p:nvPr/>
+        </p:nvPicPr>
+        <p:blipFill>
+          <a:blip r:embed="rId10"/>
+          <a:stretch>
+            <a:fillRect/>
+          </a:stretch>
+        </p:blipFill>
+        <p:spPr>
+          <a:xfrm>
+            <a:off x="1584295" y="9484131"/>
+            <a:ext cx="1092715" cy="495364"/>
+          </a:xfrm>
+          <a:prstGeom prst="rect">
+            <a:avLst/>
+          </a:prstGeom>
+        </p:spPr>
+      </p:pic>
+      <p:pic>
+        <p:nvPicPr>
+          <p:cNvPr id="12" name="תמונה 11">
+            <a:extLst>
+              <a:ext uri="{FF2B5EF4-FFF2-40B4-BE49-F238E27FC236}">
+                <a16:creationId xmlns:a16="http://schemas.microsoft.com/office/drawing/2014/main" id="{E01AC647-90BF-F13B-0261-842C554E085F}"/>
+              </a:ext>
+            </a:extLst>
+          </p:cNvPr>
+          <p:cNvPicPr>
+            <a:picLocks noChangeAspect="1"/>
+          </p:cNvPicPr>
+          <p:nvPr/>
+        </p:nvPicPr>
+        <p:blipFill>
           <a:blip r:embed="rId11"/>
           <a:stretch>
             <a:fillRect/>
@@ -3967,8 +3967,98 @@
         </p:blipFill>
         <p:spPr>
           <a:xfrm>
-            <a:off x="134540" y="243466"/>
-            <a:ext cx="1343212" cy="819264"/>
+            <a:off x="2721607" y="9489645"/>
+            <a:ext cx="532686" cy="502534"/>
+          </a:xfrm>
+          <a:prstGeom prst="rect">
+            <a:avLst/>
+          </a:prstGeom>
+        </p:spPr>
+      </p:pic>
+      <p:pic>
+        <p:nvPicPr>
+          <p:cNvPr id="15" name="תמונה 14">
+            <a:extLst>
+              <a:ext uri="{FF2B5EF4-FFF2-40B4-BE49-F238E27FC236}">
+                <a16:creationId xmlns:a16="http://schemas.microsoft.com/office/drawing/2014/main" id="{D47A91FB-D228-946F-6381-AAF9C1993716}"/>
+              </a:ext>
+            </a:extLst>
+          </p:cNvPr>
+          <p:cNvPicPr>
+            <a:picLocks noChangeAspect="1"/>
+          </p:cNvPicPr>
+          <p:nvPr/>
+        </p:nvPicPr>
+        <p:blipFill>
+          <a:blip r:embed="rId12"/>
+          <a:stretch>
+            <a:fillRect/>
+          </a:stretch>
+        </p:blipFill>
+        <p:spPr>
+          <a:xfrm>
+            <a:off x="5733851" y="9111551"/>
+            <a:ext cx="410004" cy="915062"/>
+          </a:xfrm>
+          <a:prstGeom prst="rect">
+            <a:avLst/>
+          </a:prstGeom>
+        </p:spPr>
+      </p:pic>
+      <p:pic>
+        <p:nvPicPr>
+          <p:cNvPr id="17" name="תמונה 16">
+            <a:extLst>
+              <a:ext uri="{FF2B5EF4-FFF2-40B4-BE49-F238E27FC236}">
+                <a16:creationId xmlns:a16="http://schemas.microsoft.com/office/drawing/2014/main" id="{604E16CA-DAB6-4774-EDE7-C0480DA7BA59}"/>
+              </a:ext>
+            </a:extLst>
+          </p:cNvPr>
+          <p:cNvPicPr>
+            <a:picLocks noChangeAspect="1"/>
+          </p:cNvPicPr>
+          <p:nvPr/>
+        </p:nvPicPr>
+        <p:blipFill>
+          <a:blip r:embed="rId13"/>
+          <a:stretch>
+            <a:fillRect/>
+          </a:stretch>
+        </p:blipFill>
+        <p:spPr>
+          <a:xfrm>
+            <a:off x="3310267" y="9523288"/>
+            <a:ext cx="1420784" cy="438980"/>
+          </a:xfrm>
+          <a:prstGeom prst="rect">
+            <a:avLst/>
+          </a:prstGeom>
+        </p:spPr>
+      </p:pic>
+      <p:pic>
+        <p:nvPicPr>
+          <p:cNvPr id="20" name="תמונה 19">
+            <a:extLst>
+              <a:ext uri="{FF2B5EF4-FFF2-40B4-BE49-F238E27FC236}">
+                <a16:creationId xmlns:a16="http://schemas.microsoft.com/office/drawing/2014/main" id="{6062BC5D-0F85-14E2-2F91-72A0E84B60D1}"/>
+              </a:ext>
+            </a:extLst>
+          </p:cNvPr>
+          <p:cNvPicPr>
+            <a:picLocks noChangeAspect="1"/>
+          </p:cNvPicPr>
+          <p:nvPr/>
+        </p:nvPicPr>
+        <p:blipFill>
+          <a:blip r:embed="rId14"/>
+          <a:stretch>
+            <a:fillRect/>
+          </a:stretch>
+        </p:blipFill>
+        <p:spPr>
+          <a:xfrm>
+            <a:off x="5272975" y="9106240"/>
+            <a:ext cx="428831" cy="932869"/>
           </a:xfrm>
           <a:prstGeom prst="rect">
             <a:avLst/>
